--- a/documents/시스템설계도.pptx
+++ b/documents/시스템설계도.pptx
@@ -243,7 +243,7 @@
           <a:p>
             <a:fld id="{347C2E2D-AEAA-46C6-BFD0-91E62B6C0A93}" type="datetimeFigureOut">
               <a:rPr lang="ko-KR" altLang="en-US" smtClean="0"/>
-              <a:t>2023-05-11</a:t>
+              <a:t>2023-05-12</a:t>
             </a:fld>
             <a:endParaRPr lang="ko-KR" altLang="en-US"/>
           </a:p>
@@ -413,7 +413,7 @@
           <a:p>
             <a:fld id="{347C2E2D-AEAA-46C6-BFD0-91E62B6C0A93}" type="datetimeFigureOut">
               <a:rPr lang="ko-KR" altLang="en-US" smtClean="0"/>
-              <a:t>2023-05-11</a:t>
+              <a:t>2023-05-12</a:t>
             </a:fld>
             <a:endParaRPr lang="ko-KR" altLang="en-US"/>
           </a:p>
@@ -593,7 +593,7 @@
           <a:p>
             <a:fld id="{347C2E2D-AEAA-46C6-BFD0-91E62B6C0A93}" type="datetimeFigureOut">
               <a:rPr lang="ko-KR" altLang="en-US" smtClean="0"/>
-              <a:t>2023-05-11</a:t>
+              <a:t>2023-05-12</a:t>
             </a:fld>
             <a:endParaRPr lang="ko-KR" altLang="en-US"/>
           </a:p>
@@ -763,7 +763,7 @@
           <a:p>
             <a:fld id="{347C2E2D-AEAA-46C6-BFD0-91E62B6C0A93}" type="datetimeFigureOut">
               <a:rPr lang="ko-KR" altLang="en-US" smtClean="0"/>
-              <a:t>2023-05-11</a:t>
+              <a:t>2023-05-12</a:t>
             </a:fld>
             <a:endParaRPr lang="ko-KR" altLang="en-US"/>
           </a:p>
@@ -1009,7 +1009,7 @@
           <a:p>
             <a:fld id="{347C2E2D-AEAA-46C6-BFD0-91E62B6C0A93}" type="datetimeFigureOut">
               <a:rPr lang="ko-KR" altLang="en-US" smtClean="0"/>
-              <a:t>2023-05-11</a:t>
+              <a:t>2023-05-12</a:t>
             </a:fld>
             <a:endParaRPr lang="ko-KR" altLang="en-US"/>
           </a:p>
@@ -1241,7 +1241,7 @@
           <a:p>
             <a:fld id="{347C2E2D-AEAA-46C6-BFD0-91E62B6C0A93}" type="datetimeFigureOut">
               <a:rPr lang="ko-KR" altLang="en-US" smtClean="0"/>
-              <a:t>2023-05-11</a:t>
+              <a:t>2023-05-12</a:t>
             </a:fld>
             <a:endParaRPr lang="ko-KR" altLang="en-US"/>
           </a:p>
@@ -1608,7 +1608,7 @@
           <a:p>
             <a:fld id="{347C2E2D-AEAA-46C6-BFD0-91E62B6C0A93}" type="datetimeFigureOut">
               <a:rPr lang="ko-KR" altLang="en-US" smtClean="0"/>
-              <a:t>2023-05-11</a:t>
+              <a:t>2023-05-12</a:t>
             </a:fld>
             <a:endParaRPr lang="ko-KR" altLang="en-US"/>
           </a:p>
@@ -1726,7 +1726,7 @@
           <a:p>
             <a:fld id="{347C2E2D-AEAA-46C6-BFD0-91E62B6C0A93}" type="datetimeFigureOut">
               <a:rPr lang="ko-KR" altLang="en-US" smtClean="0"/>
-              <a:t>2023-05-11</a:t>
+              <a:t>2023-05-12</a:t>
             </a:fld>
             <a:endParaRPr lang="ko-KR" altLang="en-US"/>
           </a:p>
@@ -1821,7 +1821,7 @@
           <a:p>
             <a:fld id="{347C2E2D-AEAA-46C6-BFD0-91E62B6C0A93}" type="datetimeFigureOut">
               <a:rPr lang="ko-KR" altLang="en-US" smtClean="0"/>
-              <a:t>2023-05-11</a:t>
+              <a:t>2023-05-12</a:t>
             </a:fld>
             <a:endParaRPr lang="ko-KR" altLang="en-US"/>
           </a:p>
@@ -2098,7 +2098,7 @@
           <a:p>
             <a:fld id="{347C2E2D-AEAA-46C6-BFD0-91E62B6C0A93}" type="datetimeFigureOut">
               <a:rPr lang="ko-KR" altLang="en-US" smtClean="0"/>
-              <a:t>2023-05-11</a:t>
+              <a:t>2023-05-12</a:t>
             </a:fld>
             <a:endParaRPr lang="ko-KR" altLang="en-US"/>
           </a:p>
@@ -2351,7 +2351,7 @@
           <a:p>
             <a:fld id="{347C2E2D-AEAA-46C6-BFD0-91E62B6C0A93}" type="datetimeFigureOut">
               <a:rPr lang="ko-KR" altLang="en-US" smtClean="0"/>
-              <a:t>2023-05-11</a:t>
+              <a:t>2023-05-12</a:t>
             </a:fld>
             <a:endParaRPr lang="ko-KR" altLang="en-US"/>
           </a:p>
@@ -2564,7 +2564,7 @@
           <a:p>
             <a:fld id="{347C2E2D-AEAA-46C6-BFD0-91E62B6C0A93}" type="datetimeFigureOut">
               <a:rPr lang="ko-KR" altLang="en-US" smtClean="0"/>
-              <a:t>2023-05-11</a:t>
+              <a:t>2023-05-12</a:t>
             </a:fld>
             <a:endParaRPr lang="ko-KR" altLang="en-US"/>
           </a:p>
@@ -2977,8 +2977,8 @@
         </p:nvSpPr>
         <p:spPr>
           <a:xfrm>
-            <a:off x="4183826" y="910623"/>
-            <a:ext cx="3566160" cy="3250277"/>
+            <a:off x="4183826" y="905034"/>
+            <a:ext cx="3566160" cy="4251581"/>
           </a:xfrm>
           <a:prstGeom prst="rect">
             <a:avLst/>
@@ -3847,7 +3847,7 @@
         </p:nvSpPr>
         <p:spPr>
           <a:xfrm>
-            <a:off x="10191900" y="2817143"/>
+            <a:off x="4662021" y="4079471"/>
             <a:ext cx="986722" cy="642918"/>
           </a:xfrm>
           <a:prstGeom prst="rect">
@@ -3858,10 +3858,7 @@
           </a:solidFill>
           <a:ln>
             <a:solidFill>
-              <a:schemeClr val="tx1">
-                <a:lumMod val="65000"/>
-                <a:lumOff val="35000"/>
-              </a:schemeClr>
+              <a:schemeClr val="accent6"/>
             </a:solidFill>
           </a:ln>
         </p:spPr>
@@ -3906,15 +3903,14 @@
         <p:nvCxnSpPr>
           <p:cNvPr id="70" name="직선 화살표 연결선 69"/>
           <p:cNvCxnSpPr>
-            <a:stCxn id="72" idx="0"/>
-            <a:endCxn id="67" idx="2"/>
+            <a:endCxn id="8" idx="2"/>
           </p:cNvCxnSpPr>
           <p:nvPr/>
         </p:nvCxnSpPr>
         <p:spPr>
           <a:xfrm flipV="1">
-            <a:off x="10685261" y="2235499"/>
-            <a:ext cx="0" cy="581644"/>
+            <a:off x="5155382" y="3478944"/>
+            <a:ext cx="0" cy="600527"/>
           </a:xfrm>
           <a:prstGeom prst="straightConnector1">
             <a:avLst/>
